--- a/Planning_solves.pptx
+++ b/Planning_solves.pptx
@@ -226,7 +226,7 @@
           <a:p>
             <a:fld id="{3ADD46B1-5B65-4BCC-A95C-F91AAA27E618}" type="datetimeFigureOut">
               <a:rPr kumimoji="1" lang="ja-JP" altLang="en-US" smtClean="0"/>
-              <a:t>2013/7/23</a:t>
+              <a:t>10/17/15</a:t>
             </a:fld>
             <a:endParaRPr kumimoji="1" lang="ja-JP" altLang="en-US"/>
           </a:p>
@@ -4391,7 +4391,7 @@
           <a:p>
             <a:fld id="{EE1D8001-F452-4CB1-AB3B-4C45F0128A65}" type="datetime1">
               <a:rPr kumimoji="1" lang="ja-JP" altLang="en-US" smtClean="0"/>
-              <a:t>2013/7/23</a:t>
+              <a:t>10/17/15</a:t>
             </a:fld>
             <a:endParaRPr kumimoji="1" lang="ja-JP" altLang="en-US"/>
           </a:p>
@@ -4593,7 +4593,7 @@
           <a:p>
             <a:fld id="{870645E7-99C5-4A61-9A5C-7D55E762020E}" type="datetime1">
               <a:rPr kumimoji="1" lang="ja-JP" altLang="en-US" smtClean="0"/>
-              <a:t>2013/7/23</a:t>
+              <a:t>10/17/15</a:t>
             </a:fld>
             <a:endParaRPr kumimoji="1" lang="ja-JP" altLang="en-US"/>
           </a:p>
@@ -4805,7 +4805,7 @@
           <a:p>
             <a:fld id="{F5973AD1-AFAB-4156-AA29-33E805CD8A0D}" type="datetime1">
               <a:rPr kumimoji="1" lang="ja-JP" altLang="en-US" smtClean="0"/>
-              <a:t>2013/7/23</a:t>
+              <a:t>10/17/15</a:t>
             </a:fld>
             <a:endParaRPr kumimoji="1" lang="ja-JP" altLang="en-US"/>
           </a:p>
@@ -5007,7 +5007,7 @@
           <a:p>
             <a:fld id="{24F0BA36-5FA4-420F-B11A-50D14846FCCB}" type="datetime1">
               <a:rPr kumimoji="1" lang="ja-JP" altLang="en-US" smtClean="0"/>
-              <a:t>2013/7/23</a:t>
+              <a:t>10/17/15</a:t>
             </a:fld>
             <a:endParaRPr kumimoji="1" lang="ja-JP" altLang="en-US"/>
           </a:p>
@@ -5253,7 +5253,7 @@
           <a:p>
             <a:fld id="{32F19FCD-B26B-4F71-8118-609C80C687D2}" type="datetime1">
               <a:rPr kumimoji="1" lang="ja-JP" altLang="en-US" smtClean="0"/>
-              <a:t>2013/7/23</a:t>
+              <a:t>10/17/15</a:t>
             </a:fld>
             <a:endParaRPr kumimoji="1" lang="ja-JP" altLang="en-US"/>
           </a:p>
@@ -5605,7 +5605,7 @@
           <a:p>
             <a:fld id="{AED2D47B-509A-4ADE-9109-B1756FC745E6}" type="datetime1">
               <a:rPr kumimoji="1" lang="ja-JP" altLang="en-US" smtClean="0"/>
-              <a:t>2013/7/23</a:t>
+              <a:t>10/17/15</a:t>
             </a:fld>
             <a:endParaRPr kumimoji="1" lang="ja-JP" altLang="en-US"/>
           </a:p>
@@ -6091,7 +6091,7 @@
           <a:p>
             <a:fld id="{1306AC99-79CA-4A4C-ACEA-12F370CBBAFA}" type="datetime1">
               <a:rPr kumimoji="1" lang="ja-JP" altLang="en-US" smtClean="0"/>
-              <a:t>2013/7/23</a:t>
+              <a:t>10/17/15</a:t>
             </a:fld>
             <a:endParaRPr kumimoji="1" lang="ja-JP" altLang="en-US"/>
           </a:p>
@@ -6209,7 +6209,7 @@
           <a:p>
             <a:fld id="{7BA492ED-9902-4DA9-AD9D-D8138888DA74}" type="datetime1">
               <a:rPr kumimoji="1" lang="ja-JP" altLang="en-US" smtClean="0"/>
-              <a:t>2013/7/23</a:t>
+              <a:t>10/17/15</a:t>
             </a:fld>
             <a:endParaRPr kumimoji="1" lang="ja-JP" altLang="en-US"/>
           </a:p>
@@ -6304,7 +6304,7 @@
           <a:p>
             <a:fld id="{FA7B5D7D-01DB-466B-92A8-04DEED540CD8}" type="datetime1">
               <a:rPr kumimoji="1" lang="ja-JP" altLang="en-US" smtClean="0"/>
-              <a:t>2013/7/23</a:t>
+              <a:t>10/17/15</a:t>
             </a:fld>
             <a:endParaRPr kumimoji="1" lang="ja-JP" altLang="en-US"/>
           </a:p>
@@ -6613,7 +6613,7 @@
           <a:p>
             <a:fld id="{0F80DA19-F822-46EA-8FC3-3EFCF30FFD75}" type="datetime1">
               <a:rPr kumimoji="1" lang="ja-JP" altLang="en-US" smtClean="0"/>
-              <a:t>2013/7/23</a:t>
+              <a:t>10/17/15</a:t>
             </a:fld>
             <a:endParaRPr kumimoji="1" lang="ja-JP" altLang="en-US"/>
           </a:p>
@@ -6866,7 +6866,7 @@
           <a:p>
             <a:fld id="{8845B522-475A-4353-9EFB-14910F1699C9}" type="datetime1">
               <a:rPr kumimoji="1" lang="ja-JP" altLang="en-US" smtClean="0"/>
-              <a:t>2013/7/23</a:t>
+              <a:t>10/17/15</a:t>
             </a:fld>
             <a:endParaRPr kumimoji="1" lang="ja-JP" altLang="en-US"/>
           </a:p>
@@ -7111,7 +7111,7 @@
           <a:p>
             <a:fld id="{3DE54956-E405-4E27-B0B8-EFDC2262B50D}" type="datetime1">
               <a:rPr kumimoji="1" lang="ja-JP" altLang="en-US" smtClean="0"/>
-              <a:t>2013/7/23</a:t>
+              <a:t>10/17/15</a:t>
             </a:fld>
             <a:endParaRPr kumimoji="1" lang="ja-JP" altLang="en-US"/>
           </a:p>
@@ -7551,7 +7551,11 @@
             <a:pPr algn="r"/>
             <a:r>
               <a:rPr lang="ja-JP" altLang="en-US" dirty="0" smtClean="0"/>
-              <a:t>繪面友香</a:t>
+              <a:t>e</a:t>
+            </a:r>
+            <a:r>
+              <a:rPr lang="en-US" altLang="ja-JP" dirty="0" err="1" smtClean="0"/>
+              <a:t>zura</a:t>
             </a:r>
             <a:endParaRPr kumimoji="1" lang="ja-JP" altLang="en-US" dirty="0"/>
           </a:p>
@@ -7570,7 +7574,7 @@
   <p:timing>
     <p:tnLst>
       <p:par>
-        <p:cTn id="1" dur="indefinite" restart="never" nodeType="tmRoot"/>
+        <p:cTn xmlns:p14="http://schemas.microsoft.com/office/powerpoint/2010/main" id="1" dur="indefinite" restart="never" nodeType="tmRoot"/>
       </p:par>
     </p:tnLst>
   </p:timing>
@@ -7672,14 +7676,14 @@
             <a:noFill/>
           </a:ln>
           <a:extLst>
-            <a:ext uri="{909E8E84-426E-40DD-AFC4-6F175D3DCCD1}">
+            <a:ext uri="{909E8E84-426E-40dd-AFC4-6F175D3DCCD1}">
               <a14:hiddenFill xmlns:a14="http://schemas.microsoft.com/office/drawing/2010/main">
                 <a:solidFill>
                   <a:schemeClr val="accent1"/>
                 </a:solidFill>
               </a14:hiddenFill>
             </a:ext>
-            <a:ext uri="{91240B29-F687-4F45-9708-019B960494DF}">
+            <a:ext uri="{91240B29-F687-4f45-9708-019B960494DF}">
               <a14:hiddenLine xmlns:a14="http://schemas.microsoft.com/office/drawing/2010/main" w="9525">
                 <a:solidFill>
                   <a:schemeClr val="tx1"/>
@@ -7724,14 +7728,14 @@
             <a:noFill/>
           </a:ln>
           <a:extLst>
-            <a:ext uri="{909E8E84-426E-40DD-AFC4-6F175D3DCCD1}">
+            <a:ext uri="{909E8E84-426E-40dd-AFC4-6F175D3DCCD1}">
               <a14:hiddenFill xmlns:a14="http://schemas.microsoft.com/office/drawing/2010/main">
                 <a:solidFill>
                   <a:schemeClr val="accent1"/>
                 </a:solidFill>
               </a14:hiddenFill>
             </a:ext>
-            <a:ext uri="{91240B29-F687-4F45-9708-019B960494DF}">
+            <a:ext uri="{91240B29-F687-4f45-9708-019B960494DF}">
               <a14:hiddenLine xmlns:a14="http://schemas.microsoft.com/office/drawing/2010/main" w="9525">
                 <a:solidFill>
                   <a:schemeClr val="tx1"/>
@@ -7776,14 +7780,14 @@
             <a:noFill/>
           </a:ln>
           <a:extLst>
-            <a:ext uri="{909E8E84-426E-40DD-AFC4-6F175D3DCCD1}">
+            <a:ext uri="{909E8E84-426E-40dd-AFC4-6F175D3DCCD1}">
               <a14:hiddenFill xmlns:a14="http://schemas.microsoft.com/office/drawing/2010/main">
                 <a:solidFill>
                   <a:schemeClr val="accent1"/>
                 </a:solidFill>
               </a14:hiddenFill>
             </a:ext>
-            <a:ext uri="{91240B29-F687-4F45-9708-019B960494DF}">
+            <a:ext uri="{91240B29-F687-4f45-9708-019B960494DF}">
               <a14:hiddenLine xmlns:a14="http://schemas.microsoft.com/office/drawing/2010/main" w="9525">
                 <a:solidFill>
                   <a:schemeClr val="tx1"/>
@@ -7828,14 +7832,14 @@
             <a:noFill/>
           </a:ln>
           <a:extLst>
-            <a:ext uri="{909E8E84-426E-40DD-AFC4-6F175D3DCCD1}">
+            <a:ext uri="{909E8E84-426E-40dd-AFC4-6F175D3DCCD1}">
               <a14:hiddenFill xmlns:a14="http://schemas.microsoft.com/office/drawing/2010/main">
                 <a:solidFill>
                   <a:schemeClr val="accent1"/>
                 </a:solidFill>
               </a14:hiddenFill>
             </a:ext>
-            <a:ext uri="{91240B29-F687-4F45-9708-019B960494DF}">
+            <a:ext uri="{91240B29-F687-4f45-9708-019B960494DF}">
               <a14:hiddenLine xmlns:a14="http://schemas.microsoft.com/office/drawing/2010/main" w="9525">
                 <a:solidFill>
                   <a:schemeClr val="tx1"/>
@@ -7861,7 +7865,7 @@
   <p:timing>
     <p:tnLst>
       <p:par>
-        <p:cTn id="1" dur="indefinite" restart="never" nodeType="tmRoot">
+        <p:cTn xmlns:p14="http://schemas.microsoft.com/office/powerpoint/2010/main" id="1" dur="indefinite" restart="never" nodeType="tmRoot">
           <p:childTnLst>
             <p:seq concurrent="1" nextAc="seek">
               <p:cTn id="2" dur="indefinite" nodeType="mainSeq">
@@ -8121,7 +8125,7 @@
   <p:timing>
     <p:tnLst>
       <p:par>
-        <p:cTn id="1" dur="indefinite" restart="never" nodeType="tmRoot"/>
+        <p:cTn xmlns:p14="http://schemas.microsoft.com/office/powerpoint/2010/main" id="1" dur="indefinite" restart="never" nodeType="tmRoot"/>
       </p:par>
     </p:tnLst>
   </p:timing>
@@ -8333,7 +8337,7 @@
             <a:tailEnd/>
           </a:ln>
           <a:extLst>
-            <a:ext uri="{909E8E84-426E-40DD-AFC4-6F175D3DCCD1}">
+            <a:ext uri="{909E8E84-426E-40dd-AFC4-6F175D3DCCD1}">
               <a14:hiddenFill xmlns:a14="http://schemas.microsoft.com/office/drawing/2010/main">
                 <a:solidFill>
                   <a:schemeClr val="accent1"/>
@@ -8443,7 +8447,7 @@
   <p:timing>
     <p:tnLst>
       <p:par>
-        <p:cTn id="1" dur="indefinite" restart="never" nodeType="tmRoot"/>
+        <p:cTn xmlns:p14="http://schemas.microsoft.com/office/powerpoint/2010/main" id="1" dur="indefinite" restart="never" nodeType="tmRoot"/>
       </p:par>
     </p:tnLst>
   </p:timing>
@@ -8696,14 +8700,14 @@
             <a:noFill/>
           </a:ln>
           <a:extLst>
-            <a:ext uri="{909E8E84-426E-40DD-AFC4-6F175D3DCCD1}">
+            <a:ext uri="{909E8E84-426E-40dd-AFC4-6F175D3DCCD1}">
               <a14:hiddenFill xmlns:a14="http://schemas.microsoft.com/office/drawing/2010/main">
                 <a:solidFill>
                   <a:schemeClr val="accent1"/>
                 </a:solidFill>
               </a14:hiddenFill>
             </a:ext>
-            <a:ext uri="{91240B29-F687-4F45-9708-019B960494DF}">
+            <a:ext uri="{91240B29-F687-4f45-9708-019B960494DF}">
               <a14:hiddenLine xmlns:a14="http://schemas.microsoft.com/office/drawing/2010/main" w="9525">
                 <a:solidFill>
                   <a:schemeClr val="tx1"/>
@@ -8759,7 +8763,7 @@
   <p:timing>
     <p:tnLst>
       <p:par>
-        <p:cTn id="1" dur="indefinite" restart="never" nodeType="tmRoot"/>
+        <p:cTn xmlns:p14="http://schemas.microsoft.com/office/powerpoint/2010/main" id="1" dur="indefinite" restart="never" nodeType="tmRoot"/>
       </p:par>
     </p:tnLst>
   </p:timing>
@@ -9330,14 +9334,14 @@
             <a:noFill/>
           </a:ln>
           <a:extLst>
-            <a:ext uri="{909E8E84-426E-40DD-AFC4-6F175D3DCCD1}">
+            <a:ext uri="{909E8E84-426E-40dd-AFC4-6F175D3DCCD1}">
               <a14:hiddenFill xmlns:a14="http://schemas.microsoft.com/office/drawing/2010/main">
                 <a:solidFill>
                   <a:schemeClr val="accent1"/>
                 </a:solidFill>
               </a14:hiddenFill>
             </a:ext>
-            <a:ext uri="{91240B29-F687-4F45-9708-019B960494DF}">
+            <a:ext uri="{91240B29-F687-4f45-9708-019B960494DF}">
               <a14:hiddenLine xmlns:a14="http://schemas.microsoft.com/office/drawing/2010/main" w="9525">
                 <a:solidFill>
                   <a:schemeClr val="tx1"/>
@@ -9384,14 +9388,14 @@
             <a:noFill/>
           </a:ln>
           <a:extLst>
-            <a:ext uri="{909E8E84-426E-40DD-AFC4-6F175D3DCCD1}">
+            <a:ext uri="{909E8E84-426E-40dd-AFC4-6F175D3DCCD1}">
               <a14:hiddenFill xmlns:a14="http://schemas.microsoft.com/office/drawing/2010/main">
                 <a:solidFill>
                   <a:schemeClr val="accent1"/>
                 </a:solidFill>
               </a14:hiddenFill>
             </a:ext>
-            <a:ext uri="{91240B29-F687-4F45-9708-019B960494DF}">
+            <a:ext uri="{91240B29-F687-4f45-9708-019B960494DF}">
               <a14:hiddenLine xmlns:a14="http://schemas.microsoft.com/office/drawing/2010/main" w="9525">
                 <a:solidFill>
                   <a:schemeClr val="tx1"/>
@@ -9438,14 +9442,14 @@
             <a:noFill/>
           </a:ln>
           <a:extLst>
-            <a:ext uri="{909E8E84-426E-40DD-AFC4-6F175D3DCCD1}">
+            <a:ext uri="{909E8E84-426E-40dd-AFC4-6F175D3DCCD1}">
               <a14:hiddenFill xmlns:a14="http://schemas.microsoft.com/office/drawing/2010/main">
                 <a:solidFill>
                   <a:schemeClr val="accent1"/>
                 </a:solidFill>
               </a14:hiddenFill>
             </a:ext>
-            <a:ext uri="{91240B29-F687-4F45-9708-019B960494DF}">
+            <a:ext uri="{91240B29-F687-4f45-9708-019B960494DF}">
               <a14:hiddenLine xmlns:a14="http://schemas.microsoft.com/office/drawing/2010/main" w="9525">
                 <a:solidFill>
                   <a:schemeClr val="tx1"/>
@@ -9492,14 +9496,14 @@
             <a:noFill/>
           </a:ln>
           <a:extLst>
-            <a:ext uri="{909E8E84-426E-40DD-AFC4-6F175D3DCCD1}">
+            <a:ext uri="{909E8E84-426E-40dd-AFC4-6F175D3DCCD1}">
               <a14:hiddenFill xmlns:a14="http://schemas.microsoft.com/office/drawing/2010/main">
                 <a:solidFill>
                   <a:schemeClr val="accent1"/>
                 </a:solidFill>
               </a14:hiddenFill>
             </a:ext>
-            <a:ext uri="{91240B29-F687-4F45-9708-019B960494DF}">
+            <a:ext uri="{91240B29-F687-4f45-9708-019B960494DF}">
               <a14:hiddenLine xmlns:a14="http://schemas.microsoft.com/office/drawing/2010/main" w="9525">
                 <a:solidFill>
                   <a:schemeClr val="tx1"/>
@@ -9565,7 +9569,7 @@
   <p:timing>
     <p:tnLst>
       <p:par>
-        <p:cTn id="1" dur="indefinite" restart="never" nodeType="tmRoot">
+        <p:cTn xmlns:p14="http://schemas.microsoft.com/office/powerpoint/2010/main" id="1" dur="indefinite" restart="never" nodeType="tmRoot">
           <p:childTnLst>
             <p:seq concurrent="1" nextAc="seek">
               <p:cTn id="2" dur="indefinite" nodeType="mainSeq">
@@ -10550,7 +10554,7 @@
   <p:timing>
     <p:tnLst>
       <p:par>
-        <p:cTn id="1" dur="indefinite" restart="never" nodeType="tmRoot">
+        <p:cTn xmlns:p14="http://schemas.microsoft.com/office/powerpoint/2010/main" id="1" dur="indefinite" restart="never" nodeType="tmRoot">
           <p:childTnLst>
             <p:seq concurrent="1" nextAc="seek">
               <p:cTn id="2" dur="indefinite" nodeType="mainSeq">
@@ -11397,7 +11401,7 @@
   <p:timing>
     <p:tnLst>
       <p:par>
-        <p:cTn id="1" dur="indefinite" restart="never" nodeType="tmRoot">
+        <p:cTn xmlns:p14="http://schemas.microsoft.com/office/powerpoint/2010/main" id="1" dur="indefinite" restart="never" nodeType="tmRoot">
           <p:childTnLst>
             <p:seq concurrent="1" nextAc="seek">
               <p:cTn id="2" dur="indefinite" nodeType="mainSeq">
@@ -12310,7 +12314,7 @@
   <p:timing>
     <p:tnLst>
       <p:par>
-        <p:cTn id="1" dur="indefinite" restart="never" nodeType="tmRoot">
+        <p:cTn xmlns:p14="http://schemas.microsoft.com/office/powerpoint/2010/main" id="1" dur="indefinite" restart="never" nodeType="tmRoot">
           <p:childTnLst>
             <p:seq concurrent="1" nextAc="seek">
               <p:cTn id="2" dur="indefinite" nodeType="mainSeq">
@@ -14018,7 +14022,7 @@
   <p:timing>
     <p:tnLst>
       <p:par>
-        <p:cTn id="1" dur="indefinite" restart="never" nodeType="tmRoot">
+        <p:cTn xmlns:p14="http://schemas.microsoft.com/office/powerpoint/2010/main" id="1" dur="indefinite" restart="never" nodeType="tmRoot">
           <p:childTnLst>
             <p:seq concurrent="1" nextAc="seek">
               <p:cTn id="2" dur="indefinite" nodeType="mainSeq">
@@ -15960,7 +15964,7 @@
   <p:timing>
     <p:tnLst>
       <p:par>
-        <p:cTn id="1" dur="indefinite" restart="never" nodeType="tmRoot">
+        <p:cTn xmlns:p14="http://schemas.microsoft.com/office/powerpoint/2010/main" id="1" dur="indefinite" restart="never" nodeType="tmRoot">
           <p:childTnLst>
             <p:seq concurrent="1" nextAc="seek">
               <p:cTn id="2" dur="indefinite" nodeType="mainSeq">
@@ -16215,7 +16219,7 @@
   <p:timing>
     <p:tnLst>
       <p:par>
-        <p:cTn id="1" dur="indefinite" restart="never" nodeType="tmRoot"/>
+        <p:cTn xmlns:p14="http://schemas.microsoft.com/office/powerpoint/2010/main" id="1" dur="indefinite" restart="never" nodeType="tmRoot"/>
       </p:par>
     </p:tnLst>
   </p:timing>
@@ -18059,7 +18063,7 @@
   <p:timing>
     <p:tnLst>
       <p:par>
-        <p:cTn id="1" dur="indefinite" restart="never" nodeType="tmRoot">
+        <p:cTn xmlns:p14="http://schemas.microsoft.com/office/powerpoint/2010/main" id="1" dur="indefinite" restart="never" nodeType="tmRoot">
           <p:childTnLst>
             <p:seq concurrent="1" nextAc="seek">
               <p:cTn id="2" dur="indefinite" nodeType="mainSeq">
@@ -20103,7 +20107,7 @@
   <p:timing>
     <p:tnLst>
       <p:par>
-        <p:cTn id="1" dur="indefinite" restart="never" nodeType="tmRoot"/>
+        <p:cTn xmlns:p14="http://schemas.microsoft.com/office/powerpoint/2010/main" id="1" dur="indefinite" restart="never" nodeType="tmRoot"/>
       </p:par>
     </p:tnLst>
   </p:timing>
@@ -20375,7 +20379,7 @@
   <p:timing>
     <p:tnLst>
       <p:par>
-        <p:cTn id="1" dur="indefinite" restart="never" nodeType="tmRoot"/>
+        <p:cTn xmlns:p14="http://schemas.microsoft.com/office/powerpoint/2010/main" id="1" dur="indefinite" restart="never" nodeType="tmRoot"/>
       </p:par>
     </p:tnLst>
   </p:timing>
@@ -21419,7 +21423,7 @@
   <p:timing>
     <p:tnLst>
       <p:par>
-        <p:cTn id="1" dur="indefinite" restart="never" nodeType="tmRoot">
+        <p:cTn xmlns:p14="http://schemas.microsoft.com/office/powerpoint/2010/main" id="1" dur="indefinite" restart="never" nodeType="tmRoot">
           <p:childTnLst>
             <p:seq concurrent="1" nextAc="seek">
               <p:cTn id="2" dur="indefinite" nodeType="mainSeq">
@@ -23241,7 +23245,7 @@
   <p:timing>
     <p:tnLst>
       <p:par>
-        <p:cTn id="1" dur="indefinite" restart="never" nodeType="tmRoot">
+        <p:cTn xmlns:p14="http://schemas.microsoft.com/office/powerpoint/2010/main" id="1" dur="indefinite" restart="never" nodeType="tmRoot">
           <p:childTnLst>
             <p:seq concurrent="1" nextAc="seek">
               <p:cTn id="2" dur="indefinite" nodeType="mainSeq">
@@ -24810,14 +24814,14 @@
             <a:noFill/>
           </a:ln>
           <a:extLst>
-            <a:ext uri="{909E8E84-426E-40DD-AFC4-6F175D3DCCD1}">
+            <a:ext uri="{909E8E84-426E-40dd-AFC4-6F175D3DCCD1}">
               <a14:hiddenFill xmlns:a14="http://schemas.microsoft.com/office/drawing/2010/main">
                 <a:solidFill>
                   <a:schemeClr val="accent1"/>
                 </a:solidFill>
               </a14:hiddenFill>
             </a:ext>
-            <a:ext uri="{91240B29-F687-4F45-9708-019B960494DF}">
+            <a:ext uri="{91240B29-F687-4f45-9708-019B960494DF}">
               <a14:hiddenLine xmlns:a14="http://schemas.microsoft.com/office/drawing/2010/main" w="9525">
                 <a:solidFill>
                   <a:schemeClr val="tx1"/>
@@ -24937,14 +24941,14 @@
             <a:noFill/>
           </a:ln>
           <a:extLst>
-            <a:ext uri="{909E8E84-426E-40DD-AFC4-6F175D3DCCD1}">
+            <a:ext uri="{909E8E84-426E-40dd-AFC4-6F175D3DCCD1}">
               <a14:hiddenFill xmlns:a14="http://schemas.microsoft.com/office/drawing/2010/main">
                 <a:solidFill>
                   <a:schemeClr val="accent1"/>
                 </a:solidFill>
               </a14:hiddenFill>
             </a:ext>
-            <a:ext uri="{91240B29-F687-4F45-9708-019B960494DF}">
+            <a:ext uri="{91240B29-F687-4f45-9708-019B960494DF}">
               <a14:hiddenLine xmlns:a14="http://schemas.microsoft.com/office/drawing/2010/main" w="9525">
                 <a:solidFill>
                   <a:schemeClr val="tx1"/>
@@ -25085,7 +25089,7 @@
   <p:timing>
     <p:tnLst>
       <p:par>
-        <p:cTn id="1" dur="indefinite" restart="never" nodeType="tmRoot"/>
+        <p:cTn xmlns:p14="http://schemas.microsoft.com/office/powerpoint/2010/main" id="1" dur="indefinite" restart="never" nodeType="tmRoot"/>
       </p:par>
     </p:tnLst>
   </p:timing>
@@ -26181,7 +26185,7 @@
   <p:timing>
     <p:tnLst>
       <p:par>
-        <p:cTn id="1" dur="indefinite" restart="never" nodeType="tmRoot">
+        <p:cTn xmlns:p14="http://schemas.microsoft.com/office/powerpoint/2010/main" id="1" dur="indefinite" restart="never" nodeType="tmRoot">
           <p:childTnLst>
             <p:seq concurrent="1" nextAc="seek">
               <p:cTn id="2" dur="indefinite" nodeType="mainSeq">
@@ -27122,7 +27126,7 @@
   <p:timing>
     <p:tnLst>
       <p:par>
-        <p:cTn id="1" dur="indefinite" restart="never" nodeType="tmRoot"/>
+        <p:cTn xmlns:p14="http://schemas.microsoft.com/office/powerpoint/2010/main" id="1" dur="indefinite" restart="never" nodeType="tmRoot"/>
       </p:par>
     </p:tnLst>
   </p:timing>
@@ -27224,7 +27228,7 @@
   <p:timing>
     <p:tnLst>
       <p:par>
-        <p:cTn id="1" dur="indefinite" restart="never" nodeType="tmRoot"/>
+        <p:cTn xmlns:p14="http://schemas.microsoft.com/office/powerpoint/2010/main" id="1" dur="indefinite" restart="never" nodeType="tmRoot"/>
       </p:par>
     </p:tnLst>
   </p:timing>
@@ -27572,7 +27576,7 @@
   <p:timing>
     <p:tnLst>
       <p:par>
-        <p:cTn id="1" dur="indefinite" restart="never" nodeType="tmRoot"/>
+        <p:cTn xmlns:p14="http://schemas.microsoft.com/office/powerpoint/2010/main" id="1" dur="indefinite" restart="never" nodeType="tmRoot"/>
       </p:par>
     </p:tnLst>
   </p:timing>
@@ -27719,14 +27723,14 @@
             <a:noFill/>
           </a:ln>
           <a:extLst>
-            <a:ext uri="{909E8E84-426E-40DD-AFC4-6F175D3DCCD1}">
+            <a:ext uri="{909E8E84-426E-40dd-AFC4-6F175D3DCCD1}">
               <a14:hiddenFill xmlns:a14="http://schemas.microsoft.com/office/drawing/2010/main">
                 <a:solidFill>
                   <a:schemeClr val="accent1"/>
                 </a:solidFill>
               </a14:hiddenFill>
             </a:ext>
-            <a:ext uri="{91240B29-F687-4F45-9708-019B960494DF}">
+            <a:ext uri="{91240B29-F687-4f45-9708-019B960494DF}">
               <a14:hiddenLine xmlns:a14="http://schemas.microsoft.com/office/drawing/2010/main" w="9525">
                 <a:solidFill>
                   <a:schemeClr val="tx1"/>
@@ -27771,14 +27775,14 @@
             <a:noFill/>
           </a:ln>
           <a:extLst>
-            <a:ext uri="{909E8E84-426E-40DD-AFC4-6F175D3DCCD1}">
+            <a:ext uri="{909E8E84-426E-40dd-AFC4-6F175D3DCCD1}">
               <a14:hiddenFill xmlns:a14="http://schemas.microsoft.com/office/drawing/2010/main">
                 <a:solidFill>
                   <a:schemeClr val="accent1"/>
                 </a:solidFill>
               </a14:hiddenFill>
             </a:ext>
-            <a:ext uri="{91240B29-F687-4F45-9708-019B960494DF}">
+            <a:ext uri="{91240B29-F687-4f45-9708-019B960494DF}">
               <a14:hiddenLine xmlns:a14="http://schemas.microsoft.com/office/drawing/2010/main" w="9525">
                 <a:solidFill>
                   <a:schemeClr val="tx1"/>
@@ -27823,14 +27827,14 @@
             <a:noFill/>
           </a:ln>
           <a:extLst>
-            <a:ext uri="{909E8E84-426E-40DD-AFC4-6F175D3DCCD1}">
+            <a:ext uri="{909E8E84-426E-40dd-AFC4-6F175D3DCCD1}">
               <a14:hiddenFill xmlns:a14="http://schemas.microsoft.com/office/drawing/2010/main">
                 <a:solidFill>
                   <a:schemeClr val="accent1"/>
                 </a:solidFill>
               </a14:hiddenFill>
             </a:ext>
-            <a:ext uri="{91240B29-F687-4F45-9708-019B960494DF}">
+            <a:ext uri="{91240B29-F687-4f45-9708-019B960494DF}">
               <a14:hiddenLine xmlns:a14="http://schemas.microsoft.com/office/drawing/2010/main" w="9525">
                 <a:solidFill>
                   <a:schemeClr val="tx1"/>
@@ -27875,14 +27879,14 @@
             <a:noFill/>
           </a:ln>
           <a:extLst>
-            <a:ext uri="{909E8E84-426E-40DD-AFC4-6F175D3DCCD1}">
+            <a:ext uri="{909E8E84-426E-40dd-AFC4-6F175D3DCCD1}">
               <a14:hiddenFill xmlns:a14="http://schemas.microsoft.com/office/drawing/2010/main">
                 <a:solidFill>
                   <a:schemeClr val="accent1"/>
                 </a:solidFill>
               </a14:hiddenFill>
             </a:ext>
-            <a:ext uri="{91240B29-F687-4F45-9708-019B960494DF}">
+            <a:ext uri="{91240B29-F687-4f45-9708-019B960494DF}">
               <a14:hiddenLine xmlns:a14="http://schemas.microsoft.com/office/drawing/2010/main" w="9525">
                 <a:solidFill>
                   <a:schemeClr val="tx1"/>
@@ -27927,14 +27931,14 @@
             <a:noFill/>
           </a:ln>
           <a:extLst>
-            <a:ext uri="{909E8E84-426E-40DD-AFC4-6F175D3DCCD1}">
+            <a:ext uri="{909E8E84-426E-40dd-AFC4-6F175D3DCCD1}">
               <a14:hiddenFill xmlns:a14="http://schemas.microsoft.com/office/drawing/2010/main">
                 <a:solidFill>
                   <a:schemeClr val="accent1"/>
                 </a:solidFill>
               </a14:hiddenFill>
             </a:ext>
-            <a:ext uri="{91240B29-F687-4F45-9708-019B960494DF}">
+            <a:ext uri="{91240B29-F687-4f45-9708-019B960494DF}">
               <a14:hiddenLine xmlns:a14="http://schemas.microsoft.com/office/drawing/2010/main" w="9525">
                 <a:solidFill>
                   <a:schemeClr val="tx1"/>
@@ -27979,14 +27983,14 @@
             <a:noFill/>
           </a:ln>
           <a:extLst>
-            <a:ext uri="{909E8E84-426E-40DD-AFC4-6F175D3DCCD1}">
+            <a:ext uri="{909E8E84-426E-40dd-AFC4-6F175D3DCCD1}">
               <a14:hiddenFill xmlns:a14="http://schemas.microsoft.com/office/drawing/2010/main">
                 <a:solidFill>
                   <a:schemeClr val="accent1"/>
                 </a:solidFill>
               </a14:hiddenFill>
             </a:ext>
-            <a:ext uri="{91240B29-F687-4F45-9708-019B960494DF}">
+            <a:ext uri="{91240B29-F687-4f45-9708-019B960494DF}">
               <a14:hiddenLine xmlns:a14="http://schemas.microsoft.com/office/drawing/2010/main" w="9525">
                 <a:solidFill>
                   <a:schemeClr val="tx1"/>
@@ -28031,14 +28035,14 @@
             <a:noFill/>
           </a:ln>
           <a:extLst>
-            <a:ext uri="{909E8E84-426E-40DD-AFC4-6F175D3DCCD1}">
+            <a:ext uri="{909E8E84-426E-40dd-AFC4-6F175D3DCCD1}">
               <a14:hiddenFill xmlns:a14="http://schemas.microsoft.com/office/drawing/2010/main">
                 <a:solidFill>
                   <a:schemeClr val="accent1"/>
                 </a:solidFill>
               </a14:hiddenFill>
             </a:ext>
-            <a:ext uri="{91240B29-F687-4F45-9708-019B960494DF}">
+            <a:ext uri="{91240B29-F687-4f45-9708-019B960494DF}">
               <a14:hiddenLine xmlns:a14="http://schemas.microsoft.com/office/drawing/2010/main" w="9525">
                 <a:solidFill>
                   <a:schemeClr val="tx1"/>
@@ -28083,14 +28087,14 @@
             <a:noFill/>
           </a:ln>
           <a:extLst>
-            <a:ext uri="{909E8E84-426E-40DD-AFC4-6F175D3DCCD1}">
+            <a:ext uri="{909E8E84-426E-40dd-AFC4-6F175D3DCCD1}">
               <a14:hiddenFill xmlns:a14="http://schemas.microsoft.com/office/drawing/2010/main">
                 <a:solidFill>
                   <a:schemeClr val="accent1"/>
                 </a:solidFill>
               </a14:hiddenFill>
             </a:ext>
-            <a:ext uri="{91240B29-F687-4F45-9708-019B960494DF}">
+            <a:ext uri="{91240B29-F687-4f45-9708-019B960494DF}">
               <a14:hiddenLine xmlns:a14="http://schemas.microsoft.com/office/drawing/2010/main" w="9525">
                 <a:solidFill>
                   <a:schemeClr val="tx1"/>
@@ -28185,7 +28189,7 @@
   <p:timing>
     <p:tnLst>
       <p:par>
-        <p:cTn id="1" dur="indefinite" restart="never" nodeType="tmRoot">
+        <p:cTn xmlns:p14="http://schemas.microsoft.com/office/powerpoint/2010/main" id="1" dur="indefinite" restart="never" nodeType="tmRoot">
           <p:childTnLst>
             <p:seq concurrent="1" nextAc="seek">
               <p:cTn id="2" dur="indefinite" nodeType="mainSeq">
@@ -28740,14 +28744,14 @@
             <a:noFill/>
           </a:ln>
           <a:extLst>
-            <a:ext uri="{909E8E84-426E-40DD-AFC4-6F175D3DCCD1}">
+            <a:ext uri="{909E8E84-426E-40dd-AFC4-6F175D3DCCD1}">
               <a14:hiddenFill xmlns:a14="http://schemas.microsoft.com/office/drawing/2010/main">
                 <a:solidFill>
                   <a:schemeClr val="accent1"/>
                 </a:solidFill>
               </a14:hiddenFill>
             </a:ext>
-            <a:ext uri="{91240B29-F687-4F45-9708-019B960494DF}">
+            <a:ext uri="{91240B29-F687-4f45-9708-019B960494DF}">
               <a14:hiddenLine xmlns:a14="http://schemas.microsoft.com/office/drawing/2010/main" w="9525">
                 <a:solidFill>
                   <a:schemeClr val="tx1"/>
@@ -28803,7 +28807,7 @@
   <p:timing>
     <p:tnLst>
       <p:par>
-        <p:cTn id="1" dur="indefinite" restart="never" nodeType="tmRoot"/>
+        <p:cTn xmlns:p14="http://schemas.microsoft.com/office/powerpoint/2010/main" id="1" dur="indefinite" restart="never" nodeType="tmRoot"/>
       </p:par>
     </p:tnLst>
   </p:timing>
@@ -30270,14 +30274,14 @@
             <a:noFill/>
           </a:ln>
           <a:extLst>
-            <a:ext uri="{909E8E84-426E-40DD-AFC4-6F175D3DCCD1}">
+            <a:ext uri="{909E8E84-426E-40dd-AFC4-6F175D3DCCD1}">
               <a14:hiddenFill xmlns:a14="http://schemas.microsoft.com/office/drawing/2010/main">
                 <a:solidFill>
                   <a:schemeClr val="accent1"/>
                 </a:solidFill>
               </a14:hiddenFill>
             </a:ext>
-            <a:ext uri="{91240B29-F687-4F45-9708-019B960494DF}">
+            <a:ext uri="{91240B29-F687-4f45-9708-019B960494DF}">
               <a14:hiddenLine xmlns:a14="http://schemas.microsoft.com/office/drawing/2010/main" w="9525">
                 <a:solidFill>
                   <a:schemeClr val="tx1"/>
@@ -30324,14 +30328,14 @@
             <a:noFill/>
           </a:ln>
           <a:extLst>
-            <a:ext uri="{909E8E84-426E-40DD-AFC4-6F175D3DCCD1}">
+            <a:ext uri="{909E8E84-426E-40dd-AFC4-6F175D3DCCD1}">
               <a14:hiddenFill xmlns:a14="http://schemas.microsoft.com/office/drawing/2010/main">
                 <a:solidFill>
                   <a:schemeClr val="accent1"/>
                 </a:solidFill>
               </a14:hiddenFill>
             </a:ext>
-            <a:ext uri="{91240B29-F687-4F45-9708-019B960494DF}">
+            <a:ext uri="{91240B29-F687-4f45-9708-019B960494DF}">
               <a14:hiddenLine xmlns:a14="http://schemas.microsoft.com/office/drawing/2010/main" w="9525">
                 <a:solidFill>
                   <a:schemeClr val="tx1"/>
@@ -30378,14 +30382,14 @@
             <a:noFill/>
           </a:ln>
           <a:extLst>
-            <a:ext uri="{909E8E84-426E-40DD-AFC4-6F175D3DCCD1}">
+            <a:ext uri="{909E8E84-426E-40dd-AFC4-6F175D3DCCD1}">
               <a14:hiddenFill xmlns:a14="http://schemas.microsoft.com/office/drawing/2010/main">
                 <a:solidFill>
                   <a:schemeClr val="accent1"/>
                 </a:solidFill>
               </a14:hiddenFill>
             </a:ext>
-            <a:ext uri="{91240B29-F687-4F45-9708-019B960494DF}">
+            <a:ext uri="{91240B29-F687-4f45-9708-019B960494DF}">
               <a14:hiddenLine xmlns:a14="http://schemas.microsoft.com/office/drawing/2010/main" w="9525">
                 <a:solidFill>
                   <a:schemeClr val="tx1"/>
@@ -30432,14 +30436,14 @@
             <a:noFill/>
           </a:ln>
           <a:extLst>
-            <a:ext uri="{909E8E84-426E-40DD-AFC4-6F175D3DCCD1}">
+            <a:ext uri="{909E8E84-426E-40dd-AFC4-6F175D3DCCD1}">
               <a14:hiddenFill xmlns:a14="http://schemas.microsoft.com/office/drawing/2010/main">
                 <a:solidFill>
                   <a:schemeClr val="accent1"/>
                 </a:solidFill>
               </a14:hiddenFill>
             </a:ext>
-            <a:ext uri="{91240B29-F687-4F45-9708-019B960494DF}">
+            <a:ext uri="{91240B29-F687-4f45-9708-019B960494DF}">
               <a14:hiddenLine xmlns:a14="http://schemas.microsoft.com/office/drawing/2010/main" w="9525">
                 <a:solidFill>
                   <a:schemeClr val="tx1"/>
@@ -30585,7 +30589,7 @@
   <p:timing>
     <p:tnLst>
       <p:par>
-        <p:cTn id="1" dur="indefinite" restart="never" nodeType="tmRoot"/>
+        <p:cTn xmlns:p14="http://schemas.microsoft.com/office/powerpoint/2010/main" id="1" dur="indefinite" restart="never" nodeType="tmRoot"/>
       </p:par>
     </p:tnLst>
   </p:timing>
@@ -30791,7 +30795,7 @@
   <p:timing>
     <p:tnLst>
       <p:par>
-        <p:cTn id="1" dur="indefinite" restart="never" nodeType="tmRoot"/>
+        <p:cTn xmlns:p14="http://schemas.microsoft.com/office/powerpoint/2010/main" id="1" dur="indefinite" restart="never" nodeType="tmRoot"/>
       </p:par>
     </p:tnLst>
   </p:timing>
@@ -30879,7 +30883,7 @@
   <p:timing>
     <p:tnLst>
       <p:par>
-        <p:cTn id="1" dur="indefinite" restart="never" nodeType="tmRoot"/>
+        <p:cTn xmlns:p14="http://schemas.microsoft.com/office/powerpoint/2010/main" id="1" dur="indefinite" restart="never" nodeType="tmRoot"/>
       </p:par>
     </p:tnLst>
   </p:timing>
@@ -30981,7 +30985,7 @@
   <p:timing>
     <p:tnLst>
       <p:par>
-        <p:cTn id="1" dur="indefinite" restart="never" nodeType="tmRoot"/>
+        <p:cTn xmlns:p14="http://schemas.microsoft.com/office/powerpoint/2010/main" id="1" dur="indefinite" restart="never" nodeType="tmRoot"/>
       </p:par>
     </p:tnLst>
   </p:timing>
@@ -31602,7 +31606,7 @@
   <p:timing>
     <p:tnLst>
       <p:par>
-        <p:cTn id="1" dur="indefinite" restart="never" nodeType="tmRoot"/>
+        <p:cTn xmlns:p14="http://schemas.microsoft.com/office/powerpoint/2010/main" id="1" dur="indefinite" restart="never" nodeType="tmRoot"/>
       </p:par>
     </p:tnLst>
   </p:timing>
@@ -31704,7 +31708,7 @@
   <p:timing>
     <p:tnLst>
       <p:par>
-        <p:cTn id="1" dur="indefinite" restart="never" nodeType="tmRoot"/>
+        <p:cTn xmlns:p14="http://schemas.microsoft.com/office/powerpoint/2010/main" id="1" dur="indefinite" restart="never" nodeType="tmRoot"/>
       </p:par>
     </p:tnLst>
   </p:timing>
@@ -31933,14 +31937,14 @@
             <a:noFill/>
           </a:ln>
           <a:extLst>
-            <a:ext uri="{909E8E84-426E-40DD-AFC4-6F175D3DCCD1}">
+            <a:ext uri="{909E8E84-426E-40dd-AFC4-6F175D3DCCD1}">
               <a14:hiddenFill xmlns:a14="http://schemas.microsoft.com/office/drawing/2010/main">
                 <a:solidFill>
                   <a:schemeClr val="accent1"/>
                 </a:solidFill>
               </a14:hiddenFill>
             </a:ext>
-            <a:ext uri="{91240B29-F687-4F45-9708-019B960494DF}">
+            <a:ext uri="{91240B29-F687-4f45-9708-019B960494DF}">
               <a14:hiddenLine xmlns:a14="http://schemas.microsoft.com/office/drawing/2010/main" w="9525">
                 <a:solidFill>
                   <a:schemeClr val="tx1"/>
@@ -31985,14 +31989,14 @@
             <a:noFill/>
           </a:ln>
           <a:extLst>
-            <a:ext uri="{909E8E84-426E-40DD-AFC4-6F175D3DCCD1}">
+            <a:ext uri="{909E8E84-426E-40dd-AFC4-6F175D3DCCD1}">
               <a14:hiddenFill xmlns:a14="http://schemas.microsoft.com/office/drawing/2010/main">
                 <a:solidFill>
                   <a:schemeClr val="accent1"/>
                 </a:solidFill>
               </a14:hiddenFill>
             </a:ext>
-            <a:ext uri="{91240B29-F687-4F45-9708-019B960494DF}">
+            <a:ext uri="{91240B29-F687-4f45-9708-019B960494DF}">
               <a14:hiddenLine xmlns:a14="http://schemas.microsoft.com/office/drawing/2010/main" w="9525">
                 <a:solidFill>
                   <a:schemeClr val="tx1"/>
@@ -32051,14 +32055,14 @@
               <a:noFill/>
             </a:ln>
             <a:extLst>
-              <a:ext uri="{909E8E84-426E-40DD-AFC4-6F175D3DCCD1}">
+              <a:ext uri="{909E8E84-426E-40dd-AFC4-6F175D3DCCD1}">
                 <a14:hiddenFill xmlns:a14="http://schemas.microsoft.com/office/drawing/2010/main">
                   <a:solidFill>
                     <a:schemeClr val="accent1"/>
                   </a:solidFill>
                 </a14:hiddenFill>
               </a:ext>
-              <a:ext uri="{91240B29-F687-4F45-9708-019B960494DF}">
+              <a:ext uri="{91240B29-F687-4f45-9708-019B960494DF}">
                 <a14:hiddenLine xmlns:a14="http://schemas.microsoft.com/office/drawing/2010/main" w="9525">
                   <a:solidFill>
                     <a:schemeClr val="tx1"/>
@@ -32215,7 +32219,7 @@
   <p:timing>
     <p:tnLst>
       <p:par>
-        <p:cTn id="1" dur="indefinite" restart="never" nodeType="tmRoot"/>
+        <p:cTn xmlns:p14="http://schemas.microsoft.com/office/powerpoint/2010/main" id="1" dur="indefinite" restart="never" nodeType="tmRoot"/>
       </p:par>
     </p:tnLst>
   </p:timing>
@@ -32273,14 +32277,14 @@
             <a:noFill/>
           </a:ln>
           <a:extLst>
-            <a:ext uri="{909E8E84-426E-40DD-AFC4-6F175D3DCCD1}">
+            <a:ext uri="{909E8E84-426E-40dd-AFC4-6F175D3DCCD1}">
               <a14:hiddenFill xmlns:a14="http://schemas.microsoft.com/office/drawing/2010/main">
                 <a:solidFill>
                   <a:schemeClr val="accent1"/>
                 </a:solidFill>
               </a14:hiddenFill>
             </a:ext>
-            <a:ext uri="{91240B29-F687-4F45-9708-019B960494DF}">
+            <a:ext uri="{91240B29-F687-4f45-9708-019B960494DF}">
               <a14:hiddenLine xmlns:a14="http://schemas.microsoft.com/office/drawing/2010/main" w="9525">
                 <a:solidFill>
                   <a:schemeClr val="tx1"/>
@@ -32367,14 +32371,14 @@
             <a:noFill/>
           </a:ln>
           <a:extLst>
-            <a:ext uri="{909E8E84-426E-40DD-AFC4-6F175D3DCCD1}">
+            <a:ext uri="{909E8E84-426E-40dd-AFC4-6F175D3DCCD1}">
               <a14:hiddenFill xmlns:a14="http://schemas.microsoft.com/office/drawing/2010/main">
                 <a:solidFill>
                   <a:schemeClr val="accent1"/>
                 </a:solidFill>
               </a14:hiddenFill>
             </a:ext>
-            <a:ext uri="{91240B29-F687-4F45-9708-019B960494DF}">
+            <a:ext uri="{91240B29-F687-4f45-9708-019B960494DF}">
               <a14:hiddenLine xmlns:a14="http://schemas.microsoft.com/office/drawing/2010/main" w="9525">
                 <a:solidFill>
                   <a:schemeClr val="tx1"/>
@@ -32612,14 +32616,14 @@
             <a:noFill/>
           </a:ln>
           <a:extLst>
-            <a:ext uri="{909E8E84-426E-40DD-AFC4-6F175D3DCCD1}">
+            <a:ext uri="{909E8E84-426E-40dd-AFC4-6F175D3DCCD1}">
               <a14:hiddenFill xmlns:a14="http://schemas.microsoft.com/office/drawing/2010/main">
                 <a:solidFill>
                   <a:schemeClr val="accent1"/>
                 </a:solidFill>
               </a14:hiddenFill>
             </a:ext>
-            <a:ext uri="{91240B29-F687-4F45-9708-019B960494DF}">
+            <a:ext uri="{91240B29-F687-4f45-9708-019B960494DF}">
               <a14:hiddenLine xmlns:a14="http://schemas.microsoft.com/office/drawing/2010/main" w="9525">
                 <a:solidFill>
                   <a:schemeClr val="tx1"/>
@@ -32666,14 +32670,14 @@
             <a:noFill/>
           </a:ln>
           <a:extLst>
-            <a:ext uri="{909E8E84-426E-40DD-AFC4-6F175D3DCCD1}">
+            <a:ext uri="{909E8E84-426E-40dd-AFC4-6F175D3DCCD1}">
               <a14:hiddenFill xmlns:a14="http://schemas.microsoft.com/office/drawing/2010/main">
                 <a:solidFill>
                   <a:schemeClr val="accent1"/>
                 </a:solidFill>
               </a14:hiddenFill>
             </a:ext>
-            <a:ext uri="{91240B29-F687-4F45-9708-019B960494DF}">
+            <a:ext uri="{91240B29-F687-4f45-9708-019B960494DF}">
               <a14:hiddenLine xmlns:a14="http://schemas.microsoft.com/office/drawing/2010/main" w="9525">
                 <a:solidFill>
                   <a:schemeClr val="tx1"/>
@@ -33604,14 +33608,14 @@
             <a:noFill/>
           </a:ln>
           <a:extLst>
-            <a:ext uri="{909E8E84-426E-40DD-AFC4-6F175D3DCCD1}">
+            <a:ext uri="{909E8E84-426E-40dd-AFC4-6F175D3DCCD1}">
               <a14:hiddenFill xmlns:a14="http://schemas.microsoft.com/office/drawing/2010/main">
                 <a:solidFill>
                   <a:schemeClr val="accent1"/>
                 </a:solidFill>
               </a14:hiddenFill>
             </a:ext>
-            <a:ext uri="{91240B29-F687-4F45-9708-019B960494DF}">
+            <a:ext uri="{91240B29-F687-4f45-9708-019B960494DF}">
               <a14:hiddenLine xmlns:a14="http://schemas.microsoft.com/office/drawing/2010/main" w="9525">
                 <a:solidFill>
                   <a:schemeClr val="tx1"/>
@@ -33658,14 +33662,14 @@
             <a:noFill/>
           </a:ln>
           <a:extLst>
-            <a:ext uri="{909E8E84-426E-40DD-AFC4-6F175D3DCCD1}">
+            <a:ext uri="{909E8E84-426E-40dd-AFC4-6F175D3DCCD1}">
               <a14:hiddenFill xmlns:a14="http://schemas.microsoft.com/office/drawing/2010/main">
                 <a:solidFill>
                   <a:schemeClr val="accent1"/>
                 </a:solidFill>
               </a14:hiddenFill>
             </a:ext>
-            <a:ext uri="{91240B29-F687-4F45-9708-019B960494DF}">
+            <a:ext uri="{91240B29-F687-4f45-9708-019B960494DF}">
               <a14:hiddenLine xmlns:a14="http://schemas.microsoft.com/office/drawing/2010/main" w="9525">
                 <a:solidFill>
                   <a:schemeClr val="tx1"/>
@@ -33712,14 +33716,14 @@
             <a:noFill/>
           </a:ln>
           <a:extLst>
-            <a:ext uri="{909E8E84-426E-40DD-AFC4-6F175D3DCCD1}">
+            <a:ext uri="{909E8E84-426E-40dd-AFC4-6F175D3DCCD1}">
               <a14:hiddenFill xmlns:a14="http://schemas.microsoft.com/office/drawing/2010/main">
                 <a:solidFill>
                   <a:schemeClr val="accent1"/>
                 </a:solidFill>
               </a14:hiddenFill>
             </a:ext>
-            <a:ext uri="{91240B29-F687-4F45-9708-019B960494DF}">
+            <a:ext uri="{91240B29-F687-4f45-9708-019B960494DF}">
               <a14:hiddenLine xmlns:a14="http://schemas.microsoft.com/office/drawing/2010/main" w="9525">
                 <a:solidFill>
                   <a:schemeClr val="tx1"/>
@@ -33766,14 +33770,14 @@
             <a:noFill/>
           </a:ln>
           <a:extLst>
-            <a:ext uri="{909E8E84-426E-40DD-AFC4-6F175D3DCCD1}">
+            <a:ext uri="{909E8E84-426E-40dd-AFC4-6F175D3DCCD1}">
               <a14:hiddenFill xmlns:a14="http://schemas.microsoft.com/office/drawing/2010/main">
                 <a:solidFill>
                   <a:schemeClr val="accent1"/>
                 </a:solidFill>
               </a14:hiddenFill>
             </a:ext>
-            <a:ext uri="{91240B29-F687-4F45-9708-019B960494DF}">
+            <a:ext uri="{91240B29-F687-4f45-9708-019B960494DF}">
               <a14:hiddenLine xmlns:a14="http://schemas.microsoft.com/office/drawing/2010/main" w="9525">
                 <a:solidFill>
                   <a:schemeClr val="tx1"/>
@@ -33820,14 +33824,14 @@
             <a:noFill/>
           </a:ln>
           <a:extLst>
-            <a:ext uri="{909E8E84-426E-40DD-AFC4-6F175D3DCCD1}">
+            <a:ext uri="{909E8E84-426E-40dd-AFC4-6F175D3DCCD1}">
               <a14:hiddenFill xmlns:a14="http://schemas.microsoft.com/office/drawing/2010/main">
                 <a:solidFill>
                   <a:schemeClr val="accent1"/>
                 </a:solidFill>
               </a14:hiddenFill>
             </a:ext>
-            <a:ext uri="{91240B29-F687-4F45-9708-019B960494DF}">
+            <a:ext uri="{91240B29-F687-4f45-9708-019B960494DF}">
               <a14:hiddenLine xmlns:a14="http://schemas.microsoft.com/office/drawing/2010/main" w="9525">
                 <a:solidFill>
                   <a:schemeClr val="tx1"/>
@@ -33874,14 +33878,14 @@
             <a:noFill/>
           </a:ln>
           <a:extLst>
-            <a:ext uri="{909E8E84-426E-40DD-AFC4-6F175D3DCCD1}">
+            <a:ext uri="{909E8E84-426E-40dd-AFC4-6F175D3DCCD1}">
               <a14:hiddenFill xmlns:a14="http://schemas.microsoft.com/office/drawing/2010/main">
                 <a:solidFill>
                   <a:schemeClr val="accent1"/>
                 </a:solidFill>
               </a14:hiddenFill>
             </a:ext>
-            <a:ext uri="{91240B29-F687-4F45-9708-019B960494DF}">
+            <a:ext uri="{91240B29-F687-4f45-9708-019B960494DF}">
               <a14:hiddenLine xmlns:a14="http://schemas.microsoft.com/office/drawing/2010/main" w="9525">
                 <a:solidFill>
                   <a:schemeClr val="tx1"/>
@@ -33928,14 +33932,14 @@
             <a:noFill/>
           </a:ln>
           <a:extLst>
-            <a:ext uri="{909E8E84-426E-40DD-AFC4-6F175D3DCCD1}">
+            <a:ext uri="{909E8E84-426E-40dd-AFC4-6F175D3DCCD1}">
               <a14:hiddenFill xmlns:a14="http://schemas.microsoft.com/office/drawing/2010/main">
                 <a:solidFill>
                   <a:schemeClr val="accent1"/>
                 </a:solidFill>
               </a14:hiddenFill>
             </a:ext>
-            <a:ext uri="{91240B29-F687-4F45-9708-019B960494DF}">
+            <a:ext uri="{91240B29-F687-4f45-9708-019B960494DF}">
               <a14:hiddenLine xmlns:a14="http://schemas.microsoft.com/office/drawing/2010/main" w="9525">
                 <a:solidFill>
                   <a:schemeClr val="tx1"/>
@@ -33982,14 +33986,14 @@
             <a:noFill/>
           </a:ln>
           <a:extLst>
-            <a:ext uri="{909E8E84-426E-40DD-AFC4-6F175D3DCCD1}">
+            <a:ext uri="{909E8E84-426E-40dd-AFC4-6F175D3DCCD1}">
               <a14:hiddenFill xmlns:a14="http://schemas.microsoft.com/office/drawing/2010/main">
                 <a:solidFill>
                   <a:schemeClr val="accent1"/>
                 </a:solidFill>
               </a14:hiddenFill>
             </a:ext>
-            <a:ext uri="{91240B29-F687-4F45-9708-019B960494DF}">
+            <a:ext uri="{91240B29-F687-4f45-9708-019B960494DF}">
               <a14:hiddenLine xmlns:a14="http://schemas.microsoft.com/office/drawing/2010/main" w="9525">
                 <a:solidFill>
                   <a:schemeClr val="tx1"/>
@@ -34036,14 +34040,14 @@
             <a:noFill/>
           </a:ln>
           <a:extLst>
-            <a:ext uri="{909E8E84-426E-40DD-AFC4-6F175D3DCCD1}">
+            <a:ext uri="{909E8E84-426E-40dd-AFC4-6F175D3DCCD1}">
               <a14:hiddenFill xmlns:a14="http://schemas.microsoft.com/office/drawing/2010/main">
                 <a:solidFill>
                   <a:schemeClr val="accent1"/>
                 </a:solidFill>
               </a14:hiddenFill>
             </a:ext>
-            <a:ext uri="{91240B29-F687-4F45-9708-019B960494DF}">
+            <a:ext uri="{91240B29-F687-4f45-9708-019B960494DF}">
               <a14:hiddenLine xmlns:a14="http://schemas.microsoft.com/office/drawing/2010/main" w="9525">
                 <a:solidFill>
                   <a:schemeClr val="tx1"/>
@@ -34090,14 +34094,14 @@
             <a:noFill/>
           </a:ln>
           <a:extLst>
-            <a:ext uri="{909E8E84-426E-40DD-AFC4-6F175D3DCCD1}">
+            <a:ext uri="{909E8E84-426E-40dd-AFC4-6F175D3DCCD1}">
               <a14:hiddenFill xmlns:a14="http://schemas.microsoft.com/office/drawing/2010/main">
                 <a:solidFill>
                   <a:schemeClr val="accent1"/>
                 </a:solidFill>
               </a14:hiddenFill>
             </a:ext>
-            <a:ext uri="{91240B29-F687-4F45-9708-019B960494DF}">
+            <a:ext uri="{91240B29-F687-4f45-9708-019B960494DF}">
               <a14:hiddenLine xmlns:a14="http://schemas.microsoft.com/office/drawing/2010/main" w="9525">
                 <a:solidFill>
                   <a:schemeClr val="tx1"/>
@@ -34144,14 +34148,14 @@
             <a:noFill/>
           </a:ln>
           <a:extLst>
-            <a:ext uri="{909E8E84-426E-40DD-AFC4-6F175D3DCCD1}">
+            <a:ext uri="{909E8E84-426E-40dd-AFC4-6F175D3DCCD1}">
               <a14:hiddenFill xmlns:a14="http://schemas.microsoft.com/office/drawing/2010/main">
                 <a:solidFill>
                   <a:schemeClr val="accent1"/>
                 </a:solidFill>
               </a14:hiddenFill>
             </a:ext>
-            <a:ext uri="{91240B29-F687-4F45-9708-019B960494DF}">
+            <a:ext uri="{91240B29-F687-4f45-9708-019B960494DF}">
               <a14:hiddenLine xmlns:a14="http://schemas.microsoft.com/office/drawing/2010/main" w="9525">
                 <a:solidFill>
                   <a:schemeClr val="tx1"/>
@@ -34198,14 +34202,14 @@
             <a:noFill/>
           </a:ln>
           <a:extLst>
-            <a:ext uri="{909E8E84-426E-40DD-AFC4-6F175D3DCCD1}">
+            <a:ext uri="{909E8E84-426E-40dd-AFC4-6F175D3DCCD1}">
               <a14:hiddenFill xmlns:a14="http://schemas.microsoft.com/office/drawing/2010/main">
                 <a:solidFill>
                   <a:schemeClr val="accent1"/>
                 </a:solidFill>
               </a14:hiddenFill>
             </a:ext>
-            <a:ext uri="{91240B29-F687-4F45-9708-019B960494DF}">
+            <a:ext uri="{91240B29-F687-4f45-9708-019B960494DF}">
               <a14:hiddenLine xmlns:a14="http://schemas.microsoft.com/office/drawing/2010/main" w="9525">
                 <a:solidFill>
                   <a:schemeClr val="tx1"/>
@@ -34252,14 +34256,14 @@
             <a:noFill/>
           </a:ln>
           <a:extLst>
-            <a:ext uri="{909E8E84-426E-40DD-AFC4-6F175D3DCCD1}">
+            <a:ext uri="{909E8E84-426E-40dd-AFC4-6F175D3DCCD1}">
               <a14:hiddenFill xmlns:a14="http://schemas.microsoft.com/office/drawing/2010/main">
                 <a:solidFill>
                   <a:schemeClr val="accent1"/>
                 </a:solidFill>
               </a14:hiddenFill>
             </a:ext>
-            <a:ext uri="{91240B29-F687-4F45-9708-019B960494DF}">
+            <a:ext uri="{91240B29-F687-4f45-9708-019B960494DF}">
               <a14:hiddenLine xmlns:a14="http://schemas.microsoft.com/office/drawing/2010/main" w="9525">
                 <a:solidFill>
                   <a:schemeClr val="tx1"/>
@@ -34573,14 +34577,14 @@
             <a:noFill/>
           </a:ln>
           <a:extLst>
-            <a:ext uri="{909E8E84-426E-40DD-AFC4-6F175D3DCCD1}">
+            <a:ext uri="{909E8E84-426E-40dd-AFC4-6F175D3DCCD1}">
               <a14:hiddenFill xmlns:a14="http://schemas.microsoft.com/office/drawing/2010/main">
                 <a:solidFill>
                   <a:schemeClr val="accent1"/>
                 </a:solidFill>
               </a14:hiddenFill>
             </a:ext>
-            <a:ext uri="{91240B29-F687-4F45-9708-019B960494DF}">
+            <a:ext uri="{91240B29-F687-4f45-9708-019B960494DF}">
               <a14:hiddenLine xmlns:a14="http://schemas.microsoft.com/office/drawing/2010/main" w="9525">
                 <a:solidFill>
                   <a:schemeClr val="tx1"/>
@@ -34627,14 +34631,14 @@
             <a:noFill/>
           </a:ln>
           <a:extLst>
-            <a:ext uri="{909E8E84-426E-40DD-AFC4-6F175D3DCCD1}">
+            <a:ext uri="{909E8E84-426E-40dd-AFC4-6F175D3DCCD1}">
               <a14:hiddenFill xmlns:a14="http://schemas.microsoft.com/office/drawing/2010/main">
                 <a:solidFill>
                   <a:schemeClr val="accent1"/>
                 </a:solidFill>
               </a14:hiddenFill>
             </a:ext>
-            <a:ext uri="{91240B29-F687-4F45-9708-019B960494DF}">
+            <a:ext uri="{91240B29-F687-4f45-9708-019B960494DF}">
               <a14:hiddenLine xmlns:a14="http://schemas.microsoft.com/office/drawing/2010/main" w="9525">
                 <a:solidFill>
                   <a:schemeClr val="tx1"/>
@@ -34785,14 +34789,14 @@
             <a:noFill/>
           </a:ln>
           <a:extLst>
-            <a:ext uri="{909E8E84-426E-40DD-AFC4-6F175D3DCCD1}">
+            <a:ext uri="{909E8E84-426E-40dd-AFC4-6F175D3DCCD1}">
               <a14:hiddenFill xmlns:a14="http://schemas.microsoft.com/office/drawing/2010/main">
                 <a:solidFill>
                   <a:schemeClr val="accent1"/>
                 </a:solidFill>
               </a14:hiddenFill>
             </a:ext>
-            <a:ext uri="{91240B29-F687-4F45-9708-019B960494DF}">
+            <a:ext uri="{91240B29-F687-4f45-9708-019B960494DF}">
               <a14:hiddenLine xmlns:a14="http://schemas.microsoft.com/office/drawing/2010/main" w="9525">
                 <a:solidFill>
                   <a:schemeClr val="tx1"/>
@@ -34839,14 +34843,14 @@
             <a:noFill/>
           </a:ln>
           <a:extLst>
-            <a:ext uri="{909E8E84-426E-40DD-AFC4-6F175D3DCCD1}">
+            <a:ext uri="{909E8E84-426E-40dd-AFC4-6F175D3DCCD1}">
               <a14:hiddenFill xmlns:a14="http://schemas.microsoft.com/office/drawing/2010/main">
                 <a:solidFill>
                   <a:schemeClr val="accent1"/>
                 </a:solidFill>
               </a14:hiddenFill>
             </a:ext>
-            <a:ext uri="{91240B29-F687-4F45-9708-019B960494DF}">
+            <a:ext uri="{91240B29-F687-4f45-9708-019B960494DF}">
               <a14:hiddenLine xmlns:a14="http://schemas.microsoft.com/office/drawing/2010/main" w="9525">
                 <a:solidFill>
                   <a:schemeClr val="tx1"/>
@@ -34988,14 +34992,14 @@
             <a:noFill/>
           </a:ln>
           <a:extLst>
-            <a:ext uri="{909E8E84-426E-40DD-AFC4-6F175D3DCCD1}">
+            <a:ext uri="{909E8E84-426E-40dd-AFC4-6F175D3DCCD1}">
               <a14:hiddenFill xmlns:a14="http://schemas.microsoft.com/office/drawing/2010/main">
                 <a:solidFill>
                   <a:schemeClr val="accent1"/>
                 </a:solidFill>
               </a14:hiddenFill>
             </a:ext>
-            <a:ext uri="{91240B29-F687-4F45-9708-019B960494DF}">
+            <a:ext uri="{91240B29-F687-4f45-9708-019B960494DF}">
               <a14:hiddenLine xmlns:a14="http://schemas.microsoft.com/office/drawing/2010/main" w="9525">
                 <a:solidFill>
                   <a:schemeClr val="tx1"/>
@@ -35042,14 +35046,14 @@
             <a:noFill/>
           </a:ln>
           <a:extLst>
-            <a:ext uri="{909E8E84-426E-40DD-AFC4-6F175D3DCCD1}">
+            <a:ext uri="{909E8E84-426E-40dd-AFC4-6F175D3DCCD1}">
               <a14:hiddenFill xmlns:a14="http://schemas.microsoft.com/office/drawing/2010/main">
                 <a:solidFill>
                   <a:schemeClr val="accent1"/>
                 </a:solidFill>
               </a14:hiddenFill>
             </a:ext>
-            <a:ext uri="{91240B29-F687-4F45-9708-019B960494DF}">
+            <a:ext uri="{91240B29-F687-4f45-9708-019B960494DF}">
               <a14:hiddenLine xmlns:a14="http://schemas.microsoft.com/office/drawing/2010/main" w="9525">
                 <a:solidFill>
                   <a:schemeClr val="tx1"/>
@@ -35154,14 +35158,14 @@
             <a:noFill/>
           </a:ln>
           <a:extLst>
-            <a:ext uri="{909E8E84-426E-40DD-AFC4-6F175D3DCCD1}">
+            <a:ext uri="{909E8E84-426E-40dd-AFC4-6F175D3DCCD1}">
               <a14:hiddenFill xmlns:a14="http://schemas.microsoft.com/office/drawing/2010/main">
                 <a:solidFill>
                   <a:schemeClr val="accent1"/>
                 </a:solidFill>
               </a14:hiddenFill>
             </a:ext>
-            <a:ext uri="{91240B29-F687-4F45-9708-019B960494DF}">
+            <a:ext uri="{91240B29-F687-4f45-9708-019B960494DF}">
               <a14:hiddenLine xmlns:a14="http://schemas.microsoft.com/office/drawing/2010/main" w="9525">
                 <a:solidFill>
                   <a:schemeClr val="tx1"/>
@@ -35248,14 +35252,14 @@
             <a:noFill/>
           </a:ln>
           <a:extLst>
-            <a:ext uri="{909E8E84-426E-40DD-AFC4-6F175D3DCCD1}">
+            <a:ext uri="{909E8E84-426E-40dd-AFC4-6F175D3DCCD1}">
               <a14:hiddenFill xmlns:a14="http://schemas.microsoft.com/office/drawing/2010/main">
                 <a:solidFill>
                   <a:schemeClr val="accent1"/>
                 </a:solidFill>
               </a14:hiddenFill>
             </a:ext>
-            <a:ext uri="{91240B29-F687-4F45-9708-019B960494DF}">
+            <a:ext uri="{91240B29-F687-4f45-9708-019B960494DF}">
               <a14:hiddenLine xmlns:a14="http://schemas.microsoft.com/office/drawing/2010/main" w="9525">
                 <a:solidFill>
                   <a:schemeClr val="tx1"/>
@@ -35501,14 +35505,14 @@
             <a:noFill/>
           </a:ln>
           <a:extLst>
-            <a:ext uri="{909E8E84-426E-40DD-AFC4-6F175D3DCCD1}">
+            <a:ext uri="{909E8E84-426E-40dd-AFC4-6F175D3DCCD1}">
               <a14:hiddenFill xmlns:a14="http://schemas.microsoft.com/office/drawing/2010/main">
                 <a:solidFill>
                   <a:schemeClr val="accent1"/>
                 </a:solidFill>
               </a14:hiddenFill>
             </a:ext>
-            <a:ext uri="{91240B29-F687-4F45-9708-019B960494DF}">
+            <a:ext uri="{91240B29-F687-4f45-9708-019B960494DF}">
               <a14:hiddenLine xmlns:a14="http://schemas.microsoft.com/office/drawing/2010/main" w="9525">
                 <a:solidFill>
                   <a:schemeClr val="tx1"/>
@@ -35555,14 +35559,14 @@
             <a:noFill/>
           </a:ln>
           <a:extLst>
-            <a:ext uri="{909E8E84-426E-40DD-AFC4-6F175D3DCCD1}">
+            <a:ext uri="{909E8E84-426E-40dd-AFC4-6F175D3DCCD1}">
               <a14:hiddenFill xmlns:a14="http://schemas.microsoft.com/office/drawing/2010/main">
                 <a:solidFill>
                   <a:schemeClr val="accent1"/>
                 </a:solidFill>
               </a14:hiddenFill>
             </a:ext>
-            <a:ext uri="{91240B29-F687-4F45-9708-019B960494DF}">
+            <a:ext uri="{91240B29-F687-4f45-9708-019B960494DF}">
               <a14:hiddenLine xmlns:a14="http://schemas.microsoft.com/office/drawing/2010/main" w="9525">
                 <a:solidFill>
                   <a:schemeClr val="tx1"/>
@@ -37062,14 +37066,14 @@
             <a:noFill/>
           </a:ln>
           <a:extLst>
-            <a:ext uri="{909E8E84-426E-40DD-AFC4-6F175D3DCCD1}">
+            <a:ext uri="{909E8E84-426E-40dd-AFC4-6F175D3DCCD1}">
               <a14:hiddenFill xmlns:a14="http://schemas.microsoft.com/office/drawing/2010/main">
                 <a:solidFill>
                   <a:schemeClr val="accent1"/>
                 </a:solidFill>
               </a14:hiddenFill>
             </a:ext>
-            <a:ext uri="{91240B29-F687-4F45-9708-019B960494DF}">
+            <a:ext uri="{91240B29-F687-4f45-9708-019B960494DF}">
               <a14:hiddenLine xmlns:a14="http://schemas.microsoft.com/office/drawing/2010/main" w="9525">
                 <a:solidFill>
                   <a:schemeClr val="tx1"/>
@@ -37695,7 +37699,7 @@
   <p:timing>
     <p:tnLst>
       <p:par>
-        <p:cTn id="1" dur="indefinite" restart="never" nodeType="tmRoot">
+        <p:cTn xmlns:p14="http://schemas.microsoft.com/office/powerpoint/2010/main" id="1" dur="indefinite" restart="never" nodeType="tmRoot">
           <p:childTnLst>
             <p:seq concurrent="1" nextAc="seek">
               <p:cTn id="2" dur="indefinite" nodeType="mainSeq">
@@ -37930,7 +37934,7 @@
   <p:timing>
     <p:tnLst>
       <p:par>
-        <p:cTn id="1" dur="indefinite" restart="never" nodeType="tmRoot"/>
+        <p:cTn xmlns:p14="http://schemas.microsoft.com/office/powerpoint/2010/main" id="1" dur="indefinite" restart="never" nodeType="tmRoot"/>
       </p:par>
     </p:tnLst>
   </p:timing>
@@ -41281,7 +41285,7 @@
   <p:timing>
     <p:tnLst>
       <p:par>
-        <p:cTn id="1" dur="indefinite" restart="never" nodeType="tmRoot"/>
+        <p:cTn xmlns:p14="http://schemas.microsoft.com/office/powerpoint/2010/main" id="1" dur="indefinite" restart="never" nodeType="tmRoot"/>
       </p:par>
     </p:tnLst>
   </p:timing>
@@ -44632,7 +44636,7 @@
   <p:timing>
     <p:tnLst>
       <p:par>
-        <p:cTn id="1" dur="indefinite" restart="never" nodeType="tmRoot"/>
+        <p:cTn xmlns:p14="http://schemas.microsoft.com/office/powerpoint/2010/main" id="1" dur="indefinite" restart="never" nodeType="tmRoot"/>
       </p:par>
     </p:tnLst>
   </p:timing>
